--- a/Question 5/Question-5-paper.pptx
+++ b/Question 5/Question-5-paper.pptx
@@ -3862,7 +3862,7 @@
             </a:pPr>
             <a:r>
               <a:rPr/>
-              <a:t>This analysis backs simple but powerful advice: Sleep well, stay active, and manage stress—small gains across all three can meaningfully improve health outcomes.</a:t>
+              <a:t>This analysis backs the simple but powerful advice: Sleep well, stay active, and manage stress, if there can be small gains across all three,then health outcomes can be meaningfully improved.</a:t>
             </a:r>
           </a:p>
           <a:p>
